--- a/Präsentation/PräsiCarchain/Carchain Präsentation.pptx
+++ b/Präsentation/PräsiCarchain/Carchain Präsentation.pptx
@@ -3715,7 +3715,7 @@
               </a:spcAft>
               <a:buNone/>
             </a:pPr>
-            <a:endParaRPr/>
+            <a:endParaRPr dirty="0"/>
           </a:p>
         </p:txBody>
       </p:sp>
@@ -19676,15 +19676,14 @@
           </a:bodyPr>
           <a:lstStyle/>
           <a:p>
-            <a:pPr marL="285750" lvl="0" indent="-285750" algn="l" rtl="0">
-              <a:spcBef>
-                <a:spcPts val="0"/>
-              </a:spcBef>
-              <a:spcAft>
-                <a:spcPts val="0"/>
-              </a:spcAft>
-              <a:buFont typeface="Arial" panose="020B0604020202020204" pitchFamily="34" charset="0"/>
-              <a:buChar char="•"/>
+            <a:pPr marL="0" lvl="0" indent="0" algn="l" rtl="0">
+              <a:spcBef>
+                <a:spcPts val="0"/>
+              </a:spcBef>
+              <a:spcAft>
+                <a:spcPts val="0"/>
+              </a:spcAft>
+              <a:buNone/>
             </a:pPr>
             <a:r>
               <a:rPr lang="de" sz="1800" dirty="0"/>
@@ -19871,15 +19870,14 @@
             </a:endParaRPr>
           </a:p>
           <a:p>
-            <a:pPr marL="285750" lvl="0" indent="-285750" algn="l" rtl="0">
+            <a:pPr marL="0" lvl="0" indent="0" algn="l" rtl="0">
               <a:spcBef>
                 <a:spcPts val="1600"/>
               </a:spcBef>
               <a:spcAft>
                 <a:spcPts val="1600"/>
               </a:spcAft>
-              <a:buFont typeface="Arial" panose="020B0604020202020204" pitchFamily="34" charset="0"/>
-              <a:buChar char="•"/>
+              <a:buNone/>
             </a:pPr>
             <a:r>
               <a:rPr lang="de" sz="1800" dirty="0"/>
@@ -19988,10 +19986,10 @@
               <a:buNone/>
             </a:pPr>
             <a:r>
-              <a:rPr lang="de" dirty="0"/>
+              <a:rPr lang="de" sz="1800" dirty="0"/>
               <a:t>Aufbau der Entwicklungsumgebung: </a:t>
             </a:r>
-            <a:endParaRPr dirty="0"/>
+            <a:endParaRPr sz="1800" dirty="0"/>
           </a:p>
           <a:p>
             <a:pPr marL="0" lvl="0" indent="0" algn="l" rtl="0">
@@ -20334,8 +20332,8 @@
         </p:blipFill>
         <p:spPr>
           <a:xfrm>
-            <a:off x="1581150" y="3544921"/>
-            <a:ext cx="5981700" cy="1225947"/>
+            <a:off x="1581150" y="3566160"/>
+            <a:ext cx="5981700" cy="1204708"/>
           </a:xfrm>
           <a:prstGeom prst="rect">
             <a:avLst/>
@@ -20692,8 +20690,8 @@
         </p:blipFill>
         <p:spPr>
           <a:xfrm>
-            <a:off x="1581150" y="3483865"/>
-            <a:ext cx="5981700" cy="1278064"/>
+            <a:off x="1581150" y="3529583"/>
+            <a:ext cx="5981700" cy="1232345"/>
           </a:xfrm>
           <a:prstGeom prst="rect">
             <a:avLst/>
@@ -22681,10 +22679,10 @@
               <a:buNone/>
             </a:pPr>
             <a:r>
-              <a:rPr lang="de" dirty="0"/>
+              <a:rPr lang="de" sz="2000" dirty="0"/>
               <a:t>Monitoring (Prometheus &amp; Grafana)</a:t>
             </a:r>
-            <a:endParaRPr dirty="0"/>
+            <a:endParaRPr sz="2000" dirty="0"/>
           </a:p>
         </p:txBody>
       </p:sp>
@@ -22710,8 +22708,8 @@
         </p:blipFill>
         <p:spPr>
           <a:xfrm>
-            <a:off x="1840279" y="1564830"/>
-            <a:ext cx="5463441" cy="3067494"/>
+            <a:off x="1628799" y="1400238"/>
+            <a:ext cx="5886401" cy="3304968"/>
           </a:xfrm>
           <a:prstGeom prst="rect">
             <a:avLst/>
